--- a/testing_lisa.pptx
+++ b/testing_lisa.pptx
@@ -5,10 +5,10 @@
     <p:sldMasterId id="2147483660" r:id="rId1"/>
   </p:sldMasterIdLst>
   <p:notesMasterIdLst>
-    <p:notesMasterId r:id="rId39"/>
+    <p:notesMasterId r:id="rId40"/>
   </p:notesMasterIdLst>
   <p:handoutMasterIdLst>
-    <p:handoutMasterId r:id="rId40"/>
+    <p:handoutMasterId r:id="rId41"/>
   </p:handoutMasterIdLst>
   <p:sldIdLst>
     <p:sldId id="499" r:id="rId2"/>
@@ -40,14 +40,15 @@
     <p:sldId id="526" r:id="rId28"/>
     <p:sldId id="516" r:id="rId29"/>
     <p:sldId id="518" r:id="rId30"/>
-    <p:sldId id="319" r:id="rId31"/>
-    <p:sldId id="316" r:id="rId32"/>
-    <p:sldId id="494" r:id="rId33"/>
-    <p:sldId id="359" r:id="rId34"/>
-    <p:sldId id="355" r:id="rId35"/>
-    <p:sldId id="476" r:id="rId36"/>
-    <p:sldId id="288" r:id="rId37"/>
-    <p:sldId id="298" r:id="rId38"/>
+    <p:sldId id="527" r:id="rId31"/>
+    <p:sldId id="319" r:id="rId32"/>
+    <p:sldId id="316" r:id="rId33"/>
+    <p:sldId id="494" r:id="rId34"/>
+    <p:sldId id="359" r:id="rId35"/>
+    <p:sldId id="355" r:id="rId36"/>
+    <p:sldId id="476" r:id="rId37"/>
+    <p:sldId id="288" r:id="rId38"/>
+    <p:sldId id="298" r:id="rId39"/>
   </p:sldIdLst>
   <p:sldSz cx="9144000" cy="6858000" type="screen4x3"/>
   <p:notesSz cx="6858000" cy="9144000"/>
@@ -210,6 +211,7 @@
             <p14:sldId id="526"/>
             <p14:sldId id="516"/>
             <p14:sldId id="518"/>
+            <p14:sldId id="527"/>
             <p14:sldId id="319"/>
             <p14:sldId id="316"/>
             <p14:sldId id="494"/>
@@ -1464,7 +1466,7 @@
             <a:fld id="{99B30722-7DAA-4E93-8206-71F83E275281}" type="slidenum">
               <a:rPr lang="en-US" smtClean="0"/>
               <a:pPr/>
-              <a:t>30</a:t>
+              <a:t>31</a:t>
             </a:fld>
             <a:endParaRPr lang="en-US"/>
           </a:p>
@@ -1546,7 +1548,7 @@
             <a:fld id="{5F378627-E3FE-44FD-B5FA-4582AC800163}" type="slidenum">
               <a:rPr lang="en-GB" smtClean="0"/>
               <a:pPr/>
-              <a:t>31</a:t>
+              <a:t>32</a:t>
             </a:fld>
             <a:endParaRPr lang="en-GB"/>
           </a:p>
@@ -1682,7 +1684,7 @@
             <a:fld id="{99B30722-7DAA-4E93-8206-71F83E275281}" type="slidenum">
               <a:rPr lang="en-US"/>
               <a:pPr/>
-              <a:t>33</a:t>
+              <a:t>34</a:t>
             </a:fld>
             <a:endParaRPr lang="en-US"/>
           </a:p>
@@ -1767,7 +1769,7 @@
             <a:fld id="{99B30722-7DAA-4E93-8206-71F83E275281}" type="slidenum">
               <a:rPr lang="en-US" smtClean="0"/>
               <a:pPr/>
-              <a:t>34</a:t>
+              <a:t>35</a:t>
             </a:fld>
             <a:endParaRPr lang="en-US"/>
           </a:p>
@@ -8981,7 +8983,7 @@
             </a:r>
             <a:r>
               <a:rPr lang="en-DE" dirty="0"/>
-              <a:t>is a magical file!</a:t>
+              <a:t>is a magical file! (don’t import it!)</a:t>
             </a:r>
           </a:p>
           <a:p>
@@ -11594,41 +11596,48 @@
           <a:lstStyle/>
           <a:p>
             <a:r>
-              <a:rPr lang="en-GB" dirty="0"/>
-              <a:t>I</a:t>
-            </a:r>
-            <a:r>
-              <a:rPr lang="en-DE" dirty="0"/>
-              <a:t>nsert CI slides here?!</a:t>
-            </a:r>
-          </a:p>
-        </p:txBody>
-      </p:sp>
-      <p:sp>
-        <p:nvSpPr>
-          <p:cNvPr id="3" name="Content Placeholder 2">
+              <a:rPr lang="de-DE" dirty="0" err="1"/>
+              <a:t>Pytest</a:t>
+            </a:r>
+            <a:endParaRPr lang="en-DE" dirty="0"/>
+          </a:p>
+        </p:txBody>
+      </p:sp>
+      <p:pic>
+        <p:nvPicPr>
+          <p:cNvPr id="7" name="Content Placeholder 6" descr="Diagram&#10;&#10;Description automatically generated">
             <a:extLst>
               <a:ext uri="{FF2B5EF4-FFF2-40B4-BE49-F238E27FC236}">
-                <a16:creationId xmlns:a16="http://schemas.microsoft.com/office/drawing/2014/main" id="{3A75D9AA-E51D-5648-8471-894B79EB1085}"/>
+                <a16:creationId xmlns:a16="http://schemas.microsoft.com/office/drawing/2014/main" id="{F4D4503A-473B-6745-8A43-903382FAA9A8}"/>
               </a:ext>
             </a:extLst>
           </p:cNvPr>
-          <p:cNvSpPr>
-            <a:spLocks noGrp="1"/>
-          </p:cNvSpPr>
+          <p:cNvPicPr>
+            <a:picLocks noGrp="1" noChangeAspect="1"/>
+          </p:cNvPicPr>
           <p:nvPr>
             <p:ph sz="quarter" idx="1"/>
           </p:nvPr>
-        </p:nvSpPr>
-        <p:spPr/>
-        <p:txBody>
-          <a:bodyPr/>
-          <a:lstStyle/>
-          <a:p>
-            <a:endParaRPr lang="en-DE" dirty="0"/>
-          </a:p>
-        </p:txBody>
-      </p:sp>
+        </p:nvPicPr>
+        <p:blipFill>
+          <a:blip r:embed="rId2">
+            <a:extLst>
+              <a:ext uri="{28A0092B-C50C-407E-A947-70E740481C1C}">
+                <a14:useLocalDpi xmlns:a14="http://schemas.microsoft.com/office/drawing/2010/main" val="0"/>
+              </a:ext>
+            </a:extLst>
+          </a:blip>
+          <a:stretch>
+            <a:fillRect/>
+          </a:stretch>
+        </p:blipFill>
+        <p:spPr>
+          <a:xfrm>
+            <a:off x="-1" y="1772816"/>
+            <a:ext cx="9037873" cy="3240360"/>
+          </a:xfrm>
+        </p:spPr>
+      </p:pic>
       <p:sp>
         <p:nvSpPr>
           <p:cNvPr id="4" name="Date Placeholder 3">
@@ -11904,6 +11913,151 @@
 </file>
 
 <file path=ppt/slides/slide30.xml><?xml version="1.0" encoding="utf-8"?>
+<p:sld xmlns:a="http://schemas.openxmlformats.org/drawingml/2006/main" xmlns:r="http://schemas.openxmlformats.org/officeDocument/2006/relationships" xmlns:p="http://schemas.openxmlformats.org/presentationml/2006/main">
+  <p:cSld>
+    <p:spTree>
+      <p:nvGrpSpPr>
+        <p:cNvPr id="1" name=""/>
+        <p:cNvGrpSpPr/>
+        <p:nvPr/>
+      </p:nvGrpSpPr>
+      <p:grpSpPr>
+        <a:xfrm>
+          <a:off x="0" y="0"/>
+          <a:ext cx="0" cy="0"/>
+          <a:chOff x="0" y="0"/>
+          <a:chExt cx="0" cy="0"/>
+        </a:xfrm>
+      </p:grpSpPr>
+      <p:sp>
+        <p:nvSpPr>
+          <p:cNvPr id="2" name="Title 1">
+            <a:extLst>
+              <a:ext uri="{FF2B5EF4-FFF2-40B4-BE49-F238E27FC236}">
+                <a16:creationId xmlns:a16="http://schemas.microsoft.com/office/drawing/2014/main" id="{B9A2DE47-1C1F-A04E-97D5-37CEEC485E77}"/>
+              </a:ext>
+            </a:extLst>
+          </p:cNvPr>
+          <p:cNvSpPr>
+            <a:spLocks noGrp="1"/>
+          </p:cNvSpPr>
+          <p:nvPr>
+            <p:ph type="title"/>
+          </p:nvPr>
+        </p:nvSpPr>
+        <p:spPr/>
+        <p:txBody>
+          <a:bodyPr/>
+          <a:lstStyle/>
+          <a:p>
+            <a:r>
+              <a:rPr lang="en-GB" dirty="0"/>
+              <a:t>I</a:t>
+            </a:r>
+            <a:r>
+              <a:rPr lang="en-DE" dirty="0"/>
+              <a:t>nsert CI slides here?!</a:t>
+            </a:r>
+          </a:p>
+        </p:txBody>
+      </p:sp>
+      <p:sp>
+        <p:nvSpPr>
+          <p:cNvPr id="3" name="Content Placeholder 2">
+            <a:extLst>
+              <a:ext uri="{FF2B5EF4-FFF2-40B4-BE49-F238E27FC236}">
+                <a16:creationId xmlns:a16="http://schemas.microsoft.com/office/drawing/2014/main" id="{3A75D9AA-E51D-5648-8471-894B79EB1085}"/>
+              </a:ext>
+            </a:extLst>
+          </p:cNvPr>
+          <p:cNvSpPr>
+            <a:spLocks noGrp="1"/>
+          </p:cNvSpPr>
+          <p:nvPr>
+            <p:ph sz="quarter" idx="1"/>
+          </p:nvPr>
+        </p:nvSpPr>
+        <p:spPr/>
+        <p:txBody>
+          <a:bodyPr/>
+          <a:lstStyle/>
+          <a:p>
+            <a:endParaRPr lang="en-DE" dirty="0"/>
+          </a:p>
+        </p:txBody>
+      </p:sp>
+      <p:sp>
+        <p:nvSpPr>
+          <p:cNvPr id="4" name="Date Placeholder 3">
+            <a:extLst>
+              <a:ext uri="{FF2B5EF4-FFF2-40B4-BE49-F238E27FC236}">
+                <a16:creationId xmlns:a16="http://schemas.microsoft.com/office/drawing/2014/main" id="{46438E85-9FAB-4049-8FF4-09F6264FBD34}"/>
+              </a:ext>
+            </a:extLst>
+          </p:cNvPr>
+          <p:cNvSpPr>
+            <a:spLocks noGrp="1"/>
+          </p:cNvSpPr>
+          <p:nvPr>
+            <p:ph type="dt" sz="half" idx="10"/>
+          </p:nvPr>
+        </p:nvSpPr>
+        <p:spPr/>
+        <p:txBody>
+          <a:bodyPr/>
+          <a:lstStyle/>
+          <a:p>
+            <a:r>
+              <a:rPr lang="en-US" sz="1000"/>
+              <a:t>August 2019, CC BY-SA 4.0</a:t>
+            </a:r>
+            <a:endParaRPr lang="en-US" sz="1000" dirty="0"/>
+          </a:p>
+        </p:txBody>
+      </p:sp>
+      <p:sp>
+        <p:nvSpPr>
+          <p:cNvPr id="5" name="Footer Placeholder 4">
+            <a:extLst>
+              <a:ext uri="{FF2B5EF4-FFF2-40B4-BE49-F238E27FC236}">
+                <a16:creationId xmlns:a16="http://schemas.microsoft.com/office/drawing/2014/main" id="{7CF39C76-5345-E04A-A993-6C001FDB8A5E}"/>
+              </a:ext>
+            </a:extLst>
+          </p:cNvPr>
+          <p:cNvSpPr>
+            <a:spLocks noGrp="1"/>
+          </p:cNvSpPr>
+          <p:nvPr>
+            <p:ph type="ftr" sz="quarter" idx="11"/>
+          </p:nvPr>
+        </p:nvSpPr>
+        <p:spPr/>
+        <p:txBody>
+          <a:bodyPr/>
+          <a:lstStyle/>
+          <a:p>
+            <a:r>
+              <a:rPr lang="en-US"/>
+              <a:t>Testing scientific code, v12.0</a:t>
+            </a:r>
+            <a:endParaRPr lang="en-US" dirty="0"/>
+          </a:p>
+        </p:txBody>
+      </p:sp>
+    </p:spTree>
+    <p:extLst>
+      <p:ext uri="{BB962C8B-B14F-4D97-AF65-F5344CB8AC3E}">
+        <p14:creationId xmlns:p14="http://schemas.microsoft.com/office/powerpoint/2010/main" val="3696737961"/>
+      </p:ext>
+    </p:extLst>
+  </p:cSld>
+  <p:clrMapOvr>
+    <a:masterClrMapping/>
+  </p:clrMapOvr>
+</p:sld>
+</file>
+
+<file path=ppt/slides/slide31.xml><?xml version="1.0" encoding="utf-8"?>
 <p:sld xmlns:a="http://schemas.openxmlformats.org/drawingml/2006/main" xmlns:r="http://schemas.openxmlformats.org/officeDocument/2006/relationships" xmlns:p="http://schemas.openxmlformats.org/presentationml/2006/main">
   <p:cSld>
     <p:spTree>
@@ -12338,7 +12492,7 @@
 </p:sld>
 </file>
 
-<file path=ppt/slides/slide31.xml><?xml version="1.0" encoding="utf-8"?>
+<file path=ppt/slides/slide32.xml><?xml version="1.0" encoding="utf-8"?>
 <p:sld xmlns:a="http://schemas.openxmlformats.org/drawingml/2006/main" xmlns:r="http://schemas.openxmlformats.org/officeDocument/2006/relationships" xmlns:p="http://schemas.openxmlformats.org/presentationml/2006/main">
   <p:cSld>
     <p:spTree>
@@ -12635,177 +12789,6 @@
 </p:sld>
 </file>
 
-<file path=ppt/slides/slide32.xml><?xml version="1.0" encoding="utf-8"?>
-<p:sld xmlns:a="http://schemas.openxmlformats.org/drawingml/2006/main" xmlns:r="http://schemas.openxmlformats.org/officeDocument/2006/relationships" xmlns:p="http://schemas.openxmlformats.org/presentationml/2006/main">
-  <p:cSld>
-    <p:spTree>
-      <p:nvGrpSpPr>
-        <p:cNvPr id="1" name=""/>
-        <p:cNvGrpSpPr/>
-        <p:nvPr/>
-      </p:nvGrpSpPr>
-      <p:grpSpPr>
-        <a:xfrm>
-          <a:off x="0" y="0"/>
-          <a:ext cx="0" cy="0"/>
-          <a:chOff x="0" y="0"/>
-          <a:chExt cx="0" cy="0"/>
-        </a:xfrm>
-      </p:grpSpPr>
-      <p:sp>
-        <p:nvSpPr>
-          <p:cNvPr id="2" name="Title 1"/>
-          <p:cNvSpPr>
-            <a:spLocks noGrp="1"/>
-          </p:cNvSpPr>
-          <p:nvPr>
-            <p:ph type="title"/>
-          </p:nvPr>
-        </p:nvSpPr>
-        <p:spPr/>
-        <p:txBody>
-          <a:bodyPr/>
-          <a:lstStyle/>
-          <a:p>
-            <a:r>
-              <a:rPr lang="en-US" dirty="0"/>
-              <a:t>Hands-on! </a:t>
-            </a:r>
-            <a:r>
-              <a:rPr lang="en-US" dirty="0">
-                <a:highlight>
-                  <a:srgbClr val="FFFF00"/>
-                </a:highlight>
-              </a:rPr>
-              <a:t>(Still do this? Time?)</a:t>
-            </a:r>
-          </a:p>
-        </p:txBody>
-      </p:sp>
-      <p:sp>
-        <p:nvSpPr>
-          <p:cNvPr id="3" name="Content Placeholder 2"/>
-          <p:cNvSpPr>
-            <a:spLocks noGrp="1"/>
-          </p:cNvSpPr>
-          <p:nvPr>
-            <p:ph sz="quarter" idx="1"/>
-          </p:nvPr>
-        </p:nvSpPr>
-        <p:spPr/>
-        <p:txBody>
-          <a:bodyPr/>
-          <a:lstStyle/>
-          <a:p>
-            <a:r>
-              <a:rPr lang="en-US" dirty="0"/>
-              <a:t>Submit a Pull Request for Issue #7 on GitHub</a:t>
-            </a:r>
-            <a:br>
-              <a:rPr lang="en-US" dirty="0"/>
-            </a:br>
-            <a:r>
-              <a:rPr lang="en-US" dirty="0">
-                <a:hlinkClick r:id="rId2"/>
-              </a:rPr>
-              <a:t>https://github.com/ASPP/2019-camerino-testing-debugging</a:t>
-            </a:r>
-            <a:endParaRPr lang="en-US" dirty="0"/>
-          </a:p>
-          <a:p>
-            <a:endParaRPr lang="en-US" dirty="0"/>
-          </a:p>
-          <a:p>
-            <a:pPr lvl="1"/>
-            <a:r>
-              <a:rPr lang="en-US" dirty="0"/>
-              <a:t>Check out and update the master branch</a:t>
-            </a:r>
-          </a:p>
-          <a:p>
-            <a:pPr lvl="1"/>
-            <a:r>
-              <a:rPr lang="en-US" dirty="0"/>
-              <a:t>Create a branch with a new, unique name </a:t>
-            </a:r>
-          </a:p>
-          <a:p>
-            <a:pPr lvl="1"/>
-            <a:r>
-              <a:rPr lang="en-US" dirty="0"/>
-              <a:t>Solve and create a PR as you </a:t>
-            </a:r>
-            <a:r>
-              <a:rPr lang="en-US"/>
-              <a:t>did before</a:t>
-            </a:r>
-            <a:endParaRPr lang="en-US" dirty="0"/>
-          </a:p>
-          <a:p>
-            <a:pPr marL="274320" lvl="1" indent="0">
-              <a:buNone/>
-            </a:pPr>
-            <a:endParaRPr lang="en-US"/>
-          </a:p>
-        </p:txBody>
-      </p:sp>
-      <p:sp>
-        <p:nvSpPr>
-          <p:cNvPr id="6" name="Date Placeholder 5"/>
-          <p:cNvSpPr>
-            <a:spLocks noGrp="1"/>
-          </p:cNvSpPr>
-          <p:nvPr>
-            <p:ph type="dt" sz="half" idx="10"/>
-          </p:nvPr>
-        </p:nvSpPr>
-        <p:spPr/>
-        <p:txBody>
-          <a:bodyPr/>
-          <a:lstStyle/>
-          <a:p>
-            <a:r>
-              <a:rPr lang="en-US"/>
-              <a:t>August 2019, CC BY-SA 4.0</a:t>
-            </a:r>
-          </a:p>
-        </p:txBody>
-      </p:sp>
-      <p:sp>
-        <p:nvSpPr>
-          <p:cNvPr id="7" name="Footer Placeholder 6"/>
-          <p:cNvSpPr>
-            <a:spLocks noGrp="1"/>
-          </p:cNvSpPr>
-          <p:nvPr>
-            <p:ph type="ftr" sz="quarter" idx="11"/>
-          </p:nvPr>
-        </p:nvSpPr>
-        <p:spPr/>
-        <p:txBody>
-          <a:bodyPr/>
-          <a:lstStyle/>
-          <a:p>
-            <a:r>
-              <a:rPr lang="en-US"/>
-              <a:t>Testing scientific code, v12.0</a:t>
-            </a:r>
-          </a:p>
-        </p:txBody>
-      </p:sp>
-    </p:spTree>
-    <p:extLst>
-      <p:ext uri="{BB962C8B-B14F-4D97-AF65-F5344CB8AC3E}">
-        <p14:creationId xmlns:p14="http://schemas.microsoft.com/office/powerpoint/2010/main" val="1252037126"/>
-      </p:ext>
-    </p:extLst>
-  </p:cSld>
-  <p:clrMapOvr>
-    <a:masterClrMapping/>
-  </p:clrMapOvr>
-</p:sld>
-</file>
-
 <file path=ppt/slides/slide33.xml><?xml version="1.0" encoding="utf-8"?>
 <p:sld xmlns:a="http://schemas.openxmlformats.org/drawingml/2006/main" xmlns:r="http://schemas.openxmlformats.org/officeDocument/2006/relationships" xmlns:p="http://schemas.openxmlformats.org/presentationml/2006/main">
   <p:cSld>
@@ -12825,7 +12808,7 @@
       </p:grpSpPr>
       <p:sp>
         <p:nvSpPr>
-          <p:cNvPr id="5" name="Title 4"/>
+          <p:cNvPr id="2" name="Title 1"/>
           <p:cNvSpPr>
             <a:spLocks noGrp="1"/>
           </p:cNvSpPr>
@@ -12840,14 +12823,22 @@
           <a:p>
             <a:r>
               <a:rPr lang="en-US" dirty="0"/>
-              <a:t>Testing is good for your self-esteem</a:t>
-            </a:r>
-          </a:p>
-        </p:txBody>
-      </p:sp>
-      <p:sp>
-        <p:nvSpPr>
-          <p:cNvPr id="6" name="Content Placeholder 5"/>
+              <a:t>Hands-on! </a:t>
+            </a:r>
+            <a:r>
+              <a:rPr lang="en-US" dirty="0">
+                <a:highlight>
+                  <a:srgbClr val="FFFF00"/>
+                </a:highlight>
+              </a:rPr>
+              <a:t>(Still do this? Time?)</a:t>
+            </a:r>
+          </a:p>
+        </p:txBody>
+      </p:sp>
+      <p:sp>
+        <p:nvSpPr>
+          <p:cNvPr id="3" name="Content Placeholder 2"/>
           <p:cNvSpPr>
             <a:spLocks noGrp="1"/>
           </p:cNvSpPr>
@@ -12862,37 +12853,59 @@
           <a:p>
             <a:r>
               <a:rPr lang="en-US" dirty="0"/>
-              <a:t>Immediately: Always be confident that your results are correct, whether your approach works of not</a:t>
-            </a:r>
-          </a:p>
-          <a:p>
-            <a:r>
+              <a:t>Submit a Pull Request for Issue #7 on GitHub</a:t>
+            </a:r>
+            <a:br>
               <a:rPr lang="en-US" dirty="0"/>
-              <a:t>In the future: save your future self some trouble!</a:t>
-            </a:r>
-          </a:p>
-          <a:p>
+            </a:br>
+            <a:r>
+              <a:rPr lang="en-US" dirty="0">
+                <a:hlinkClick r:id="rId2"/>
+              </a:rPr>
+              <a:t>https://github.com/ASPP/2019-camerino-testing-debugging</a:t>
+            </a:r>
+            <a:endParaRPr lang="en-US" dirty="0"/>
+          </a:p>
+          <a:p>
+            <a:endParaRPr lang="en-US" dirty="0"/>
+          </a:p>
+          <a:p>
+            <a:pPr lvl="1"/>
             <a:r>
               <a:rPr lang="en-US" dirty="0"/>
-              <a:t>If you are left thinking “it’s cool but I cannot test </a:t>
-            </a:r>
-            <a:r>
-              <a:rPr lang="en-US" i="1" dirty="0"/>
-              <a:t>my</a:t>
-            </a:r>
+              <a:t>Check out and update the master branch</a:t>
+            </a:r>
+          </a:p>
+          <a:p>
+            <a:pPr lvl="1"/>
             <a:r>
               <a:rPr lang="en-US" dirty="0"/>
-              <a:t> code because XYZ”, talk to me during the week and I’ll show you how to do it ;-)</a:t>
-            </a:r>
-          </a:p>
-          <a:p>
+              <a:t>Create a branch with a new, unique name </a:t>
+            </a:r>
+          </a:p>
+          <a:p>
+            <a:pPr lvl="1"/>
+            <a:r>
+              <a:rPr lang="en-US" dirty="0"/>
+              <a:t>Solve and create a PR as you </a:t>
+            </a:r>
+            <a:r>
+              <a:rPr lang="en-US"/>
+              <a:t>did before</a:t>
+            </a:r>
             <a:endParaRPr lang="en-US" dirty="0"/>
           </a:p>
-        </p:txBody>
-      </p:sp>
-      <p:sp>
-        <p:nvSpPr>
-          <p:cNvPr id="4" name="Date Placeholder 3"/>
+          <a:p>
+            <a:pPr marL="274320" lvl="1" indent="0">
+              <a:buNone/>
+            </a:pPr>
+            <a:endParaRPr lang="en-US"/>
+          </a:p>
+        </p:txBody>
+      </p:sp>
+      <p:sp>
+        <p:nvSpPr>
+          <p:cNvPr id="6" name="Date Placeholder 5"/>
           <p:cNvSpPr>
             <a:spLocks noGrp="1"/>
           </p:cNvSpPr>
@@ -12937,7 +12950,7 @@
     </p:spTree>
     <p:extLst>
       <p:ext uri="{BB962C8B-B14F-4D97-AF65-F5344CB8AC3E}">
-        <p14:creationId xmlns:p14="http://schemas.microsoft.com/office/powerpoint/2010/main" val="55267331"/>
+        <p14:creationId xmlns:p14="http://schemas.microsoft.com/office/powerpoint/2010/main" val="1252037126"/>
       </p:ext>
     </p:extLst>
   </p:cSld>
@@ -12966,6 +12979,147 @@
       </p:grpSpPr>
       <p:sp>
         <p:nvSpPr>
+          <p:cNvPr id="5" name="Title 4"/>
+          <p:cNvSpPr>
+            <a:spLocks noGrp="1"/>
+          </p:cNvSpPr>
+          <p:nvPr>
+            <p:ph type="title"/>
+          </p:nvPr>
+        </p:nvSpPr>
+        <p:spPr/>
+        <p:txBody>
+          <a:bodyPr/>
+          <a:lstStyle/>
+          <a:p>
+            <a:r>
+              <a:rPr lang="en-US" dirty="0"/>
+              <a:t>Testing is good for your self-esteem</a:t>
+            </a:r>
+          </a:p>
+        </p:txBody>
+      </p:sp>
+      <p:sp>
+        <p:nvSpPr>
+          <p:cNvPr id="6" name="Content Placeholder 5"/>
+          <p:cNvSpPr>
+            <a:spLocks noGrp="1"/>
+          </p:cNvSpPr>
+          <p:nvPr>
+            <p:ph sz="quarter" idx="1"/>
+          </p:nvPr>
+        </p:nvSpPr>
+        <p:spPr/>
+        <p:txBody>
+          <a:bodyPr/>
+          <a:lstStyle/>
+          <a:p>
+            <a:r>
+              <a:rPr lang="en-US" dirty="0"/>
+              <a:t>Immediately: Always be confident that your results are correct, whether your approach works of not</a:t>
+            </a:r>
+          </a:p>
+          <a:p>
+            <a:r>
+              <a:rPr lang="en-US" dirty="0"/>
+              <a:t>In the future: save your future self some trouble!</a:t>
+            </a:r>
+          </a:p>
+          <a:p>
+            <a:r>
+              <a:rPr lang="en-US" dirty="0"/>
+              <a:t>If you are left thinking “it’s cool but I cannot test </a:t>
+            </a:r>
+            <a:r>
+              <a:rPr lang="en-US" i="1" dirty="0"/>
+              <a:t>my</a:t>
+            </a:r>
+            <a:r>
+              <a:rPr lang="en-US" dirty="0"/>
+              <a:t> code because XYZ”, talk to me during the week and I’ll show you how to do it ;-)</a:t>
+            </a:r>
+          </a:p>
+          <a:p>
+            <a:endParaRPr lang="en-US" dirty="0"/>
+          </a:p>
+        </p:txBody>
+      </p:sp>
+      <p:sp>
+        <p:nvSpPr>
+          <p:cNvPr id="4" name="Date Placeholder 3"/>
+          <p:cNvSpPr>
+            <a:spLocks noGrp="1"/>
+          </p:cNvSpPr>
+          <p:nvPr>
+            <p:ph type="dt" sz="half" idx="10"/>
+          </p:nvPr>
+        </p:nvSpPr>
+        <p:spPr/>
+        <p:txBody>
+          <a:bodyPr/>
+          <a:lstStyle/>
+          <a:p>
+            <a:r>
+              <a:rPr lang="en-US"/>
+              <a:t>August 2019, CC BY-SA 4.0</a:t>
+            </a:r>
+          </a:p>
+        </p:txBody>
+      </p:sp>
+      <p:sp>
+        <p:nvSpPr>
+          <p:cNvPr id="7" name="Footer Placeholder 6"/>
+          <p:cNvSpPr>
+            <a:spLocks noGrp="1"/>
+          </p:cNvSpPr>
+          <p:nvPr>
+            <p:ph type="ftr" sz="quarter" idx="11"/>
+          </p:nvPr>
+        </p:nvSpPr>
+        <p:spPr/>
+        <p:txBody>
+          <a:bodyPr/>
+          <a:lstStyle/>
+          <a:p>
+            <a:r>
+              <a:rPr lang="en-US"/>
+              <a:t>Testing scientific code, v12.0</a:t>
+            </a:r>
+          </a:p>
+        </p:txBody>
+      </p:sp>
+    </p:spTree>
+    <p:extLst>
+      <p:ext uri="{BB962C8B-B14F-4D97-AF65-F5344CB8AC3E}">
+        <p14:creationId xmlns:p14="http://schemas.microsoft.com/office/powerpoint/2010/main" val="55267331"/>
+      </p:ext>
+    </p:extLst>
+  </p:cSld>
+  <p:clrMapOvr>
+    <a:masterClrMapping/>
+  </p:clrMapOvr>
+</p:sld>
+</file>
+
+<file path=ppt/slides/slide35.xml><?xml version="1.0" encoding="utf-8"?>
+<p:sld xmlns:a="http://schemas.openxmlformats.org/drawingml/2006/main" xmlns:r="http://schemas.openxmlformats.org/officeDocument/2006/relationships" xmlns:p="http://schemas.openxmlformats.org/presentationml/2006/main">
+  <p:cSld>
+    <p:spTree>
+      <p:nvGrpSpPr>
+        <p:cNvPr id="1" name=""/>
+        <p:cNvGrpSpPr/>
+        <p:nvPr/>
+      </p:nvGrpSpPr>
+      <p:grpSpPr>
+        <a:xfrm>
+          <a:off x="0" y="0"/>
+          <a:ext cx="0" cy="0"/>
+          <a:chOff x="0" y="0"/>
+          <a:chExt cx="0" cy="0"/>
+        </a:xfrm>
+      </p:grpSpPr>
+      <p:sp>
+        <p:nvSpPr>
           <p:cNvPr id="2" name="Title 1"/>
           <p:cNvSpPr>
             <a:spLocks noGrp="1"/>
@@ -13082,7 +13236,7 @@
 </p:sld>
 </file>
 
-<file path=ppt/slides/slide35.xml><?xml version="1.0" encoding="utf-8"?>
+<file path=ppt/slides/slide36.xml><?xml version="1.0" encoding="utf-8"?>
 <p:sld xmlns:a="http://schemas.openxmlformats.org/drawingml/2006/main" xmlns:r="http://schemas.openxmlformats.org/officeDocument/2006/relationships" xmlns:p="http://schemas.openxmlformats.org/presentationml/2006/main">
   <p:cSld>
     <p:spTree>
@@ -13252,7 +13406,7 @@
 </p:sld>
 </file>
 
-<file path=ppt/slides/slide36.xml><?xml version="1.0" encoding="utf-8"?>
+<file path=ppt/slides/slide37.xml><?xml version="1.0" encoding="utf-8"?>
 <p:sld xmlns:a="http://schemas.openxmlformats.org/drawingml/2006/main" xmlns:r="http://schemas.openxmlformats.org/officeDocument/2006/relationships" xmlns:p="http://schemas.openxmlformats.org/presentationml/2006/main">
   <p:cSld>
     <p:spTree>
@@ -13351,7 +13505,7 @@
 </p:sld>
 </file>
 
-<file path=ppt/slides/slide37.xml><?xml version="1.0" encoding="utf-8"?>
+<file path=ppt/slides/slide38.xml><?xml version="1.0" encoding="utf-8"?>
 <p:sld xmlns:a="http://schemas.openxmlformats.org/drawingml/2006/main" xmlns:r="http://schemas.openxmlformats.org/officeDocument/2006/relationships" xmlns:p="http://schemas.openxmlformats.org/presentationml/2006/main">
   <p:cSld>
     <p:spTree>
@@ -16592,8 +16746,8 @@
           </a:p>
         </p:txBody>
       </p:sp>
-      <mc:AlternateContent xmlns:mc="http://schemas.openxmlformats.org/markup-compatibility/2006">
-        <mc:Choice xmlns:a14="http://schemas.microsoft.com/office/drawing/2010/main" Requires="a14">
+      <mc:AlternateContent xmlns:mc="http://schemas.openxmlformats.org/markup-compatibility/2006" xmlns:a14="http://schemas.microsoft.com/office/drawing/2010/main">
+        <mc:Choice Requires="a14">
           <p:sp>
             <p:nvSpPr>
               <p:cNvPr id="3" name="Content Placeholder 2"/>
@@ -16785,7 +16939,7 @@
             </p:txBody>
           </p:sp>
         </mc:Choice>
-        <mc:Fallback>
+        <mc:Fallback xmlns="">
           <p:sp>
             <p:nvSpPr>
               <p:cNvPr id="3" name="Content Placeholder 2"/>
